--- a/Учебная практика/Сеть магазинов канцтоваров.pptx
+++ b/Учебная практика/Сеть магазинов канцтоваров.pptx
@@ -115,6 +115,11 @@
       </a:defRPr>
     </a:lvl9pPr>
   </p:defaultTextStyle>
+  <p:extLst>
+    <p:ext uri="{EFAFB233-063F-42B5-8137-9DF3F51BA10A}">
+      <p15:sldGuideLst xmlns:p15="http://schemas.microsoft.com/office/powerpoint/2012/main"/>
+    </p:ext>
+  </p:extLst>
 </p:presentation>
 </file>
 
@@ -274,7 +279,7 @@
             <a:fld id="{5586B75A-687E-405C-8A0B-8D00578BA2C3}" type="datetimeFigureOut">
               <a:rPr lang="en-US" dirty="0"/>
               <a:pPr/>
-              <a:t>11/19/2022</a:t>
+              <a:t>11/20/2022</a:t>
             </a:fld>
             <a:endParaRPr lang="en-US" dirty="0"/>
           </a:p>
@@ -440,7 +445,7 @@
           <a:p>
             <a:fld id="{5F4E5243-F52A-4D37-9694-EB26C6C31910}" type="datetimeFigureOut">
               <a:rPr lang="en-US" dirty="0"/>
-              <a:t>11/19/2022</a:t>
+              <a:t>11/20/2022</a:t>
             </a:fld>
             <a:endParaRPr lang="en-US" dirty="0"/>
           </a:p>
@@ -615,7 +620,7 @@
           <a:p>
             <a:fld id="{3A77B6E1-634A-48DC-9E8B-D894023267EF}" type="datetimeFigureOut">
               <a:rPr lang="en-US" dirty="0"/>
-              <a:t>11/19/2022</a:t>
+              <a:t>11/20/2022</a:t>
             </a:fld>
             <a:endParaRPr lang="en-US" dirty="0"/>
           </a:p>
@@ -780,7 +785,7 @@
           <a:p>
             <a:fld id="{7B2D3E9E-A95C-48F2-B4BF-A71542E0BE9A}" type="datetimeFigureOut">
               <a:rPr lang="en-US" dirty="0"/>
-              <a:t>11/19/2022</a:t>
+              <a:t>11/20/2022</a:t>
             </a:fld>
             <a:endParaRPr lang="en-US" dirty="0"/>
           </a:p>
@@ -1040,7 +1045,7 @@
             <a:fld id="{5586B75A-687E-405C-8A0B-8D00578BA2C3}" type="datetimeFigureOut">
               <a:rPr lang="en-US" dirty="0"/>
               <a:pPr/>
-              <a:t>11/19/2022</a:t>
+              <a:t>11/20/2022</a:t>
             </a:fld>
             <a:endParaRPr lang="en-US" dirty="0"/>
           </a:p>
@@ -1324,7 +1329,7 @@
           <a:p>
             <a:fld id="{F12952B5-7A2F-4CC8-B7CE-9234E21C2837}" type="datetimeFigureOut">
               <a:rPr lang="en-US" dirty="0"/>
-              <a:t>11/19/2022</a:t>
+              <a:t>11/20/2022</a:t>
             </a:fld>
             <a:endParaRPr lang="en-US" dirty="0"/>
           </a:p>
@@ -1748,7 +1753,7 @@
           <a:p>
             <a:fld id="{CE1DA07A-9201-4B4B-BAF2-015AFA30F520}" type="datetimeFigureOut">
               <a:rPr lang="en-US" dirty="0"/>
-              <a:t>11/19/2022</a:t>
+              <a:t>11/20/2022</a:t>
             </a:fld>
             <a:endParaRPr lang="en-US" dirty="0"/>
           </a:p>
@@ -1861,7 +1866,7 @@
           <a:p>
             <a:fld id="{73D7E00A-486F-4252-8B1D-E32645521F49}" type="datetimeFigureOut">
               <a:rPr lang="en-US" dirty="0"/>
-              <a:t>11/19/2022</a:t>
+              <a:t>11/20/2022</a:t>
             </a:fld>
             <a:endParaRPr lang="en-US" dirty="0"/>
           </a:p>
@@ -1951,7 +1956,7 @@
           <a:p>
             <a:fld id="{8DDF5F92-E675-4B36-9A60-69A962A68675}" type="datetimeFigureOut">
               <a:rPr lang="en-US" dirty="0"/>
-              <a:t>11/19/2022</a:t>
+              <a:t>11/20/2022</a:t>
             </a:fld>
             <a:endParaRPr lang="en-US" dirty="0"/>
           </a:p>
@@ -2302,7 +2307,7 @@
           <a:p>
             <a:fld id="{AF6E2C9B-5FA2-460D-9BE7-B0812FC2A6FF}" type="datetimeFigureOut">
               <a:rPr lang="en-US" dirty="0"/>
-              <a:t>11/19/2022</a:t>
+              <a:t>11/20/2022</a:t>
             </a:fld>
             <a:endParaRPr lang="en-US" dirty="0"/>
           </a:p>
@@ -2602,7 +2607,7 @@
             <a:fld id="{5586B75A-687E-405C-8A0B-8D00578BA2C3}" type="datetimeFigureOut">
               <a:rPr lang="en-US" dirty="0"/>
               <a:pPr/>
-              <a:t>11/19/2022</a:t>
+              <a:t>11/20/2022</a:t>
             </a:fld>
             <a:endParaRPr lang="en-US" dirty="0"/>
           </a:p>
@@ -2812,7 +2817,7 @@
             <a:fld id="{5586B75A-687E-405C-8A0B-8D00578BA2C3}" type="datetimeFigureOut">
               <a:rPr lang="en-US" dirty="0"/>
               <a:pPr/>
-              <a:t>11/19/2022</a:t>
+              <a:t>11/20/2022</a:t>
             </a:fld>
             <a:endParaRPr lang="en-US" dirty="0"/>
           </a:p>
@@ -3263,8 +3268,8 @@
         </p:nvSpPr>
         <p:spPr>
           <a:xfrm>
-            <a:off x="390652" y="294978"/>
-            <a:ext cx="6793992" cy="4953677"/>
+            <a:off x="3792220" y="1362456"/>
+            <a:ext cx="7811516" cy="3712463"/>
           </a:xfrm>
         </p:spPr>
         <p:txBody>
@@ -3296,7 +3301,7 @@
         </p:nvSpPr>
         <p:spPr>
           <a:xfrm>
-            <a:off x="3538728" y="6218556"/>
+            <a:off x="3282696" y="5578476"/>
             <a:ext cx="9228201" cy="1645920"/>
           </a:xfrm>
         </p:spPr>
@@ -3311,36 +3316,6 @@
           </a:p>
         </p:txBody>
       </p:sp>
-      <p:pic>
-        <p:nvPicPr>
-          <p:cNvPr id="7" name="Рисунок 6">
-            <a:extLst>
-              <a:ext uri="{FF2B5EF4-FFF2-40B4-BE49-F238E27FC236}">
-                <a16:creationId xmlns:a16="http://schemas.microsoft.com/office/drawing/2014/main" id="{C74259B4-85BD-726A-6D94-5A25D267875D}"/>
-              </a:ext>
-            </a:extLst>
-          </p:cNvPr>
-          <p:cNvPicPr>
-            <a:picLocks noChangeAspect="1"/>
-          </p:cNvPicPr>
-          <p:nvPr/>
-        </p:nvPicPr>
-        <p:blipFill>
-          <a:blip r:embed="rId2"/>
-          <a:stretch>
-            <a:fillRect/>
-          </a:stretch>
-        </p:blipFill>
-        <p:spPr>
-          <a:xfrm>
-            <a:off x="7038848" y="669328"/>
-            <a:ext cx="4762500" cy="4762500"/>
-          </a:xfrm>
-          <a:prstGeom prst="rect">
-            <a:avLst/>
-          </a:prstGeom>
-        </p:spPr>
-      </p:pic>
       <p:pic>
         <p:nvPicPr>
           <p:cNvPr id="8" name="Рисунок 7">
@@ -3356,38 +3331,46 @@
           <p:nvPr/>
         </p:nvPicPr>
         <p:blipFill rotWithShape="1">
-          <a:blip r:embed="rId3"/>
+          <a:blip r:embed="rId2"/>
           <a:srcRect l="9975" t="-169" r="85328" b="92834"/>
           <a:stretch/>
         </p:blipFill>
         <p:spPr>
           <a:xfrm>
-            <a:off x="8842914" y="3177578"/>
-            <a:ext cx="1300164" cy="1330400"/>
+            <a:off x="919130" y="2251677"/>
+            <a:ext cx="2153254" cy="2203329"/>
           </a:xfrm>
-          <a:prstGeom prst="roundRect">
-            <a:avLst>
-              <a:gd name="adj" fmla="val 16667"/>
-            </a:avLst>
+          <a:prstGeom prst="rect">
+            <a:avLst/>
           </a:prstGeom>
-          <a:ln>
-            <a:noFill/>
+          <a:solidFill>
+            <a:srgbClr val="FFFFFF">
+              <a:shade val="85000"/>
+            </a:srgbClr>
+          </a:solidFill>
+          <a:ln w="190500" cap="sq">
+            <a:solidFill>
+              <a:srgbClr val="FFFFFF"/>
+            </a:solidFill>
+            <a:miter lim="800000"/>
           </a:ln>
           <a:effectLst>
-            <a:outerShdw blurRad="152400" dist="12000" dir="900000" sy="98000" kx="110000" ky="200000" algn="tl" rotWithShape="0">
+            <a:outerShdw blurRad="65000" dist="50800" dir="12900000" kx="195000" ky="145000" algn="tl" rotWithShape="0">
               <a:srgbClr val="000000">
                 <a:alpha val="30000"/>
               </a:srgbClr>
             </a:outerShdw>
           </a:effectLst>
           <a:scene3d>
-            <a:camera prst="perspectiveRelaxed">
-              <a:rot lat="19800000" lon="1200000" rev="20820000"/>
+            <a:camera prst="orthographicFront">
+              <a:rot lat="0" lon="0" rev="360000"/>
             </a:camera>
-            <a:lightRig rig="threePt" dir="t"/>
+            <a:lightRig rig="twoPt" dir="t">
+              <a:rot lat="0" lon="0" rev="7200000"/>
+            </a:lightRig>
           </a:scene3d>
-          <a:sp3d contourW="6350" prstMaterial="matte">
-            <a:bevelT w="101600" h="101600"/>
+          <a:sp3d contourW="12700">
+            <a:bevelT w="25400" h="19050"/>
             <a:contourClr>
               <a:srgbClr val="969696"/>
             </a:contourClr>
@@ -3823,7 +3806,7 @@
         </p:spPr>
         <p:txBody>
           <a:bodyPr>
-            <a:normAutofit/>
+            <a:normAutofit fontScale="92500" lnSpcReduction="10000"/>
           </a:bodyPr>
           <a:lstStyle/>
           <a:p>
@@ -3835,11 +3818,16 @@
                 <a:ea typeface="Calibri" panose="020F0502020204030204" pitchFamily="34" charset="0"/>
                 <a:cs typeface="Arial" panose="020B0604020202020204" pitchFamily="34" charset="0"/>
               </a:rPr>
-              <a:t>Цель разработки – просмотр канцелярских товаров, регистрация в системе. </a:t>
-            </a:r>
-          </a:p>
-          <a:p>
-            <a:pPr algn="just"/>
+              <a:t>Цель разработки – разработка ИС, предназначенной для </a:t>
+            </a:r>
+            <a:r>
+              <a:rPr lang="ru-RU" sz="3200" dirty="0">
+                <a:latin typeface="Arial" panose="020B0604020202020204" pitchFamily="34" charset="0"/>
+                <a:ea typeface="Calibri" panose="020F0502020204030204" pitchFamily="34" charset="0"/>
+                <a:cs typeface="Arial" panose="020B0604020202020204" pitchFamily="34" charset="0"/>
+              </a:rPr>
+              <a:t>продавцов магазина канцтоваров</a:t>
+            </a:r>
             <a:r>
               <a:rPr lang="ru-RU" sz="3200" dirty="0">
                 <a:effectLst/>
@@ -3847,7 +3835,79 @@
                 <a:ea typeface="Calibri" panose="020F0502020204030204" pitchFamily="34" charset="0"/>
                 <a:cs typeface="Arial" panose="020B0604020202020204" pitchFamily="34" charset="0"/>
               </a:rPr>
-              <a:t>Назначением для разработки являются: возможность просмотра товаров, входа в профиль, быстрый поиск любого товара.</a:t>
+              <a:t>. </a:t>
+            </a:r>
+          </a:p>
+          <a:p>
+            <a:pPr algn="just"/>
+            <a:r>
+              <a:rPr lang="ru-RU" sz="3200" dirty="0">
+                <a:effectLst/>
+                <a:latin typeface="Arial" panose="020B0604020202020204" pitchFamily="34" charset="0"/>
+                <a:ea typeface="Calibri" panose="020F0502020204030204" pitchFamily="34" charset="0"/>
+                <a:cs typeface="Arial" panose="020B0604020202020204" pitchFamily="34" charset="0"/>
+              </a:rPr>
+              <a:t>Назначением являются:</a:t>
+            </a:r>
+          </a:p>
+          <a:p>
+            <a:pPr algn="just">
+              <a:buFont typeface="Wingdings" panose="05000000000000000000" pitchFamily="2" charset="2"/>
+              <a:buChar char="ü"/>
+            </a:pPr>
+            <a:r>
+              <a:rPr lang="ru-RU" sz="3200" dirty="0">
+                <a:effectLst/>
+                <a:latin typeface="Arial" panose="020B0604020202020204" pitchFamily="34" charset="0"/>
+                <a:ea typeface="Calibri" panose="020F0502020204030204" pitchFamily="34" charset="0"/>
+                <a:cs typeface="Arial" panose="020B0604020202020204" pitchFamily="34" charset="0"/>
+              </a:rPr>
+              <a:t>возможность просмотра товаров, </a:t>
+            </a:r>
+          </a:p>
+          <a:p>
+            <a:pPr algn="just">
+              <a:buFont typeface="Wingdings" panose="05000000000000000000" pitchFamily="2" charset="2"/>
+              <a:buChar char="ü"/>
+            </a:pPr>
+            <a:r>
+              <a:rPr lang="ru-RU" sz="3200" dirty="0">
+                <a:effectLst/>
+                <a:latin typeface="Arial" panose="020B0604020202020204" pitchFamily="34" charset="0"/>
+                <a:ea typeface="Calibri" panose="020F0502020204030204" pitchFamily="34" charset="0"/>
+                <a:cs typeface="Arial" panose="020B0604020202020204" pitchFamily="34" charset="0"/>
+              </a:rPr>
+              <a:t>вход в профиль, </a:t>
+            </a:r>
+          </a:p>
+          <a:p>
+            <a:pPr algn="just">
+              <a:buFont typeface="Wingdings" panose="05000000000000000000" pitchFamily="2" charset="2"/>
+              <a:buChar char="ü"/>
+            </a:pPr>
+            <a:r>
+              <a:rPr lang="ru-RU" sz="3200" dirty="0">
+                <a:effectLst/>
+                <a:latin typeface="Arial" panose="020B0604020202020204" pitchFamily="34" charset="0"/>
+                <a:ea typeface="Calibri" panose="020F0502020204030204" pitchFamily="34" charset="0"/>
+                <a:cs typeface="Arial" panose="020B0604020202020204" pitchFamily="34" charset="0"/>
+              </a:rPr>
+              <a:t>регистрации в системе,</a:t>
+            </a:r>
+          </a:p>
+          <a:p>
+            <a:pPr algn="just">
+              <a:buFont typeface="Wingdings" panose="05000000000000000000" pitchFamily="2" charset="2"/>
+              <a:buChar char="ü"/>
+            </a:pPr>
+            <a:r>
+              <a:rPr lang="ru-RU" sz="3200" dirty="0">
+                <a:effectLst/>
+                <a:latin typeface="Arial" panose="020B0604020202020204" pitchFamily="34" charset="0"/>
+                <a:ea typeface="Calibri" panose="020F0502020204030204" pitchFamily="34" charset="0"/>
+                <a:cs typeface="Arial" panose="020B0604020202020204" pitchFamily="34" charset="0"/>
+              </a:rPr>
+              <a:t>быстрый поиск любого товара.</a:t>
             </a:r>
           </a:p>
           <a:p>
@@ -3999,7 +4059,7 @@
                 <a:latin typeface="Arial" panose="020B0604020202020204" pitchFamily="34" charset="0"/>
                 <a:cs typeface="Arial" panose="020B0604020202020204" pitchFamily="34" charset="0"/>
               </a:rPr>
-              <a:t>Система может использоваться в магазинах для продавцов, администраторов.</a:t>
+              <a:t>Система может использоваться в магазинах канцелярских товаров для продавцов, администраторов.</a:t>
             </a:r>
           </a:p>
         </p:txBody>
